--- a/prerequisites/Prerequisites.pptx
+++ b/prerequisites/Prerequisites.pptx
@@ -215,7 +215,7 @@
           <a:p>
             <a:fld id="{8C27CCB3-AF99-4AC1-88A2-6937B24E92F2}" type="datetimeFigureOut">
               <a:rPr lang="nl-NL" smtClean="0"/>
-              <a:t>9-3-2021</a:t>
+              <a:t>10-3-2021</a:t>
             </a:fld>
             <a:endParaRPr lang="nl-NL"/>
           </a:p>
@@ -806,7 +806,7 @@
           <a:p>
             <a:fld id="{9B91261B-BA64-45BD-9BF7-BD73041ECBD2}" type="datetimeFigureOut">
               <a:rPr lang="nl-NL" smtClean="0"/>
-              <a:t>9-3-2021</a:t>
+              <a:t>10-3-2021</a:t>
             </a:fld>
             <a:endParaRPr lang="nl-NL"/>
           </a:p>
@@ -974,7 +974,7 @@
           <a:p>
             <a:fld id="{9B91261B-BA64-45BD-9BF7-BD73041ECBD2}" type="datetimeFigureOut">
               <a:rPr lang="nl-NL" smtClean="0"/>
-              <a:t>9-3-2021</a:t>
+              <a:t>10-3-2021</a:t>
             </a:fld>
             <a:endParaRPr lang="nl-NL"/>
           </a:p>
@@ -1152,7 +1152,7 @@
           <a:p>
             <a:fld id="{9B91261B-BA64-45BD-9BF7-BD73041ECBD2}" type="datetimeFigureOut">
               <a:rPr lang="nl-NL" smtClean="0"/>
-              <a:t>9-3-2021</a:t>
+              <a:t>10-3-2021</a:t>
             </a:fld>
             <a:endParaRPr lang="nl-NL"/>
           </a:p>
@@ -1320,7 +1320,7 @@
           <a:p>
             <a:fld id="{9B91261B-BA64-45BD-9BF7-BD73041ECBD2}" type="datetimeFigureOut">
               <a:rPr lang="nl-NL" smtClean="0"/>
-              <a:t>9-3-2021</a:t>
+              <a:t>10-3-2021</a:t>
             </a:fld>
             <a:endParaRPr lang="nl-NL"/>
           </a:p>
@@ -1565,7 +1565,7 @@
           <a:p>
             <a:fld id="{9B91261B-BA64-45BD-9BF7-BD73041ECBD2}" type="datetimeFigureOut">
               <a:rPr lang="nl-NL" smtClean="0"/>
-              <a:t>9-3-2021</a:t>
+              <a:t>10-3-2021</a:t>
             </a:fld>
             <a:endParaRPr lang="nl-NL"/>
           </a:p>
@@ -1794,7 +1794,7 @@
           <a:p>
             <a:fld id="{9B91261B-BA64-45BD-9BF7-BD73041ECBD2}" type="datetimeFigureOut">
               <a:rPr lang="nl-NL" smtClean="0"/>
-              <a:t>9-3-2021</a:t>
+              <a:t>10-3-2021</a:t>
             </a:fld>
             <a:endParaRPr lang="nl-NL"/>
           </a:p>
@@ -2158,7 +2158,7 @@
           <a:p>
             <a:fld id="{9B91261B-BA64-45BD-9BF7-BD73041ECBD2}" type="datetimeFigureOut">
               <a:rPr lang="nl-NL" smtClean="0"/>
-              <a:t>9-3-2021</a:t>
+              <a:t>10-3-2021</a:t>
             </a:fld>
             <a:endParaRPr lang="nl-NL"/>
           </a:p>
@@ -2275,7 +2275,7 @@
           <a:p>
             <a:fld id="{9B91261B-BA64-45BD-9BF7-BD73041ECBD2}" type="datetimeFigureOut">
               <a:rPr lang="nl-NL" smtClean="0"/>
-              <a:t>9-3-2021</a:t>
+              <a:t>10-3-2021</a:t>
             </a:fld>
             <a:endParaRPr lang="nl-NL"/>
           </a:p>
@@ -2370,7 +2370,7 @@
           <a:p>
             <a:fld id="{9B91261B-BA64-45BD-9BF7-BD73041ECBD2}" type="datetimeFigureOut">
               <a:rPr lang="nl-NL" smtClean="0"/>
-              <a:t>9-3-2021</a:t>
+              <a:t>10-3-2021</a:t>
             </a:fld>
             <a:endParaRPr lang="nl-NL"/>
           </a:p>
@@ -2645,7 +2645,7 @@
           <a:p>
             <a:fld id="{9B91261B-BA64-45BD-9BF7-BD73041ECBD2}" type="datetimeFigureOut">
               <a:rPr lang="nl-NL" smtClean="0"/>
-              <a:t>9-3-2021</a:t>
+              <a:t>10-3-2021</a:t>
             </a:fld>
             <a:endParaRPr lang="nl-NL"/>
           </a:p>
@@ -2897,7 +2897,7 @@
           <a:p>
             <a:fld id="{9B91261B-BA64-45BD-9BF7-BD73041ECBD2}" type="datetimeFigureOut">
               <a:rPr lang="nl-NL" smtClean="0"/>
-              <a:t>9-3-2021</a:t>
+              <a:t>10-3-2021</a:t>
             </a:fld>
             <a:endParaRPr lang="nl-NL"/>
           </a:p>
@@ -3108,7 +3108,7 @@
           <a:p>
             <a:fld id="{9B91261B-BA64-45BD-9BF7-BD73041ECBD2}" type="datetimeFigureOut">
               <a:rPr lang="nl-NL" smtClean="0"/>
-              <a:t>9-3-2021</a:t>
+              <a:t>10-3-2021</a:t>
             </a:fld>
             <a:endParaRPr lang="nl-NL"/>
           </a:p>
@@ -5240,6 +5240,80 @@
             <a:r>
               <a:rPr lang="nl-NL" sz="2400"/>
               <a:t> </a:t>
+            </a:r>
+          </a:p>
+        </p:txBody>
+      </p:sp>
+      <p:sp>
+        <p:nvSpPr>
+          <p:cNvPr id="2" name="Tekstvak 1">
+            <a:extLst>
+              <a:ext uri="{FF2B5EF4-FFF2-40B4-BE49-F238E27FC236}">
+                <a16:creationId xmlns:a16="http://schemas.microsoft.com/office/drawing/2014/main" id="{5BCF200C-D26F-4F8F-8AD4-022BAAAA6E3E}"/>
+              </a:ext>
+            </a:extLst>
+          </p:cNvPr>
+          <p:cNvSpPr txBox="1"/>
+          <p:nvPr/>
+        </p:nvSpPr>
+        <p:spPr>
+          <a:xfrm>
+            <a:off x="6517426" y="2274838"/>
+            <a:ext cx="5251785" cy="2308324"/>
+          </a:xfrm>
+          <a:prstGeom prst="rect">
+            <a:avLst/>
+          </a:prstGeom>
+          <a:noFill/>
+        </p:spPr>
+        <p:txBody>
+          <a:bodyPr wrap="square" rtlCol="0">
+            <a:spAutoFit/>
+          </a:bodyPr>
+          <a:lstStyle/>
+          <a:p>
+            <a:pPr algn="ctr"/>
+            <a:r>
+              <a:rPr lang="en-US"/>
+              <a:t>It is important to </a:t>
+            </a:r>
+            <a:r>
+              <a:rPr lang="en-US" i="1"/>
+              <a:t>actually check</a:t>
+            </a:r>
+            <a:r>
+              <a:rPr lang="en-US"/>
+              <a:t> whether you can access these domains from your device.</a:t>
+            </a:r>
+          </a:p>
+          <a:p>
+            <a:pPr algn="ctr"/>
+            <a:endParaRPr lang="en-US"/>
+          </a:p>
+          <a:p>
+            <a:pPr algn="ctr"/>
+            <a:r>
+              <a:rPr lang="en-US"/>
+              <a:t>If not (because of firewalls, blacklists, etc.), please make sure that </a:t>
+            </a:r>
+            <a:r>
+              <a:rPr lang="en-US" i="1"/>
+              <a:t>obtain</a:t>
+            </a:r>
+            <a:r>
+              <a:rPr lang="en-US"/>
+              <a:t> that access before attending the workshop.</a:t>
+            </a:r>
+          </a:p>
+          <a:p>
+            <a:pPr algn="ctr"/>
+            <a:endParaRPr lang="en-US"/>
+          </a:p>
+          <a:p>
+            <a:pPr algn="ctr"/>
+            <a:r>
+              <a:rPr lang="en-US"/>
+              <a:t>Thanks!</a:t>
             </a:r>
           </a:p>
         </p:txBody>

--- a/prerequisites/Prerequisites.pptx
+++ b/prerequisites/Prerequisites.pptx
@@ -4990,7 +4990,11 @@
           <a:lstStyle/>
           <a:p>
             <a:r>
-              <a:rPr lang="en-US" sz="2800"/>
+              <a:rPr lang="en-US" sz="2800">
+                <a:solidFill>
+                  <a:srgbClr val="FF0000"/>
+                </a:solidFill>
+              </a:rPr>
               <a:t>See the ReadMe (of the workshop Github project) for installation instructions!</a:t>
             </a:r>
           </a:p>
@@ -5274,45 +5278,81 @@
           <a:p>
             <a:pPr algn="ctr"/>
             <a:r>
-              <a:rPr lang="en-US"/>
+              <a:rPr lang="en-US">
+                <a:solidFill>
+                  <a:srgbClr val="FF0000"/>
+                </a:solidFill>
+              </a:rPr>
               <a:t>It is important to </a:t>
             </a:r>
             <a:r>
-              <a:rPr lang="en-US" i="1"/>
+              <a:rPr lang="en-US" i="1">
+                <a:solidFill>
+                  <a:srgbClr val="FF0000"/>
+                </a:solidFill>
+              </a:rPr>
               <a:t>actually check</a:t>
             </a:r>
             <a:r>
-              <a:rPr lang="en-US"/>
+              <a:rPr lang="en-US">
+                <a:solidFill>
+                  <a:srgbClr val="FF0000"/>
+                </a:solidFill>
+              </a:rPr>
               <a:t> whether you can access these domains from your device.</a:t>
             </a:r>
           </a:p>
           <a:p>
             <a:pPr algn="ctr"/>
-            <a:endParaRPr lang="en-US"/>
+            <a:endParaRPr lang="en-US">
+              <a:solidFill>
+                <a:srgbClr val="FF0000"/>
+              </a:solidFill>
+            </a:endParaRPr>
           </a:p>
           <a:p>
             <a:pPr algn="ctr"/>
             <a:r>
-              <a:rPr lang="en-US"/>
+              <a:rPr lang="en-US">
+                <a:solidFill>
+                  <a:srgbClr val="FF0000"/>
+                </a:solidFill>
+              </a:rPr>
               <a:t>If not (because of firewalls, blacklists, etc.), please make sure that </a:t>
             </a:r>
             <a:r>
-              <a:rPr lang="en-US" i="1"/>
+              <a:rPr lang="en-US" i="1">
+                <a:solidFill>
+                  <a:srgbClr val="FF0000"/>
+                </a:solidFill>
+              </a:rPr>
               <a:t>obtain</a:t>
             </a:r>
             <a:r>
-              <a:rPr lang="en-US"/>
+              <a:rPr lang="en-US">
+                <a:solidFill>
+                  <a:srgbClr val="FF0000"/>
+                </a:solidFill>
+              </a:rPr>
               <a:t> that access before attending the workshop.</a:t>
             </a:r>
           </a:p>
           <a:p>
             <a:pPr algn="ctr"/>
-            <a:endParaRPr lang="en-US"/>
+            <a:endParaRPr lang="en-US">
+              <a:solidFill>
+                <a:srgbClr val="FF0000"/>
+              </a:solidFill>
+            </a:endParaRPr>
           </a:p>
           <a:p>
             <a:pPr algn="ctr"/>
             <a:r>
-              <a:rPr lang="en-US"/>
+              <a:rPr lang="en-US">
+                <a:solidFill>
+                  <a:srgbClr val="FF0000"/>
+                </a:solidFill>
+              </a:rPr>
               <a:t>Thanks!</a:t>
             </a:r>
           </a:p>

--- a/prerequisites/Prerequisites.pptx
+++ b/prerequisites/Prerequisites.pptx
@@ -5318,7 +5318,7 @@
                   <a:srgbClr val="FF0000"/>
                 </a:solidFill>
               </a:rPr>
-              <a:t>If not (because of firewalls, blacklists, etc.), please make sure that </a:t>
+              <a:t>If not (because of firewalls, blacklists, etc.), please make sure to </a:t>
             </a:r>
             <a:r>
               <a:rPr lang="en-US" i="1">
